--- a/Data Science Final Project Presentation.pptx
+++ b/Data Science Final Project Presentation.pptx
@@ -6,7 +6,13 @@
   </p:sldMasterIdLst>
   <p:sldIdLst>
     <p:sldId id="256" r:id="rId2"/>
-    <p:sldId id="257" r:id="rId3"/>
+    <p:sldId id="258" r:id="rId3"/>
+    <p:sldId id="257" r:id="rId4"/>
+    <p:sldId id="260" r:id="rId5"/>
+    <p:sldId id="261" r:id="rId6"/>
+    <p:sldId id="262" r:id="rId7"/>
+    <p:sldId id="263" r:id="rId8"/>
+    <p:sldId id="259" r:id="rId9"/>
   </p:sldIdLst>
   <p:sldSz cx="12192000" cy="6858000"/>
   <p:notesSz cx="6858000" cy="9144000"/>
@@ -3914,7 +3920,90 @@
           <a:p>
             <a:r>
               <a:rPr lang="en-029" dirty="0" smtClean="0"/>
-              <a:t>Immigration &amp; Work</a:t>
+              <a:t>Problem Statement</a:t>
+            </a:r>
+            <a:endParaRPr lang="en-US" dirty="0"/>
+          </a:p>
+        </p:txBody>
+      </p:sp>
+      <p:sp>
+        <p:nvSpPr>
+          <p:cNvPr id="3" name="TextBox 2"/>
+          <p:cNvSpPr txBox="1"/>
+          <p:nvPr/>
+        </p:nvSpPr>
+        <p:spPr>
+          <a:xfrm>
+            <a:off x="431307" y="2059460"/>
+            <a:ext cx="11318789" cy="1323439"/>
+          </a:xfrm>
+          <a:prstGeom prst="rect">
+            <a:avLst/>
+          </a:prstGeom>
+          <a:noFill/>
+        </p:spPr>
+        <p:txBody>
+          <a:bodyPr wrap="square" rtlCol="0">
+            <a:spAutoFit/>
+          </a:bodyPr>
+          <a:lstStyle/>
+          <a:p>
+            <a:r>
+              <a:rPr lang="en-029" sz="2000" dirty="0" smtClean="0"/>
+              <a:t>Immigrants to Canada often most are tasked with securing stable employment as part of their agreement with the government. Many are skilled workers and even entrepreneurs looking to re-establish themselves.  To the unknowing, this could prove to be a daunting and time intensive task. In this scenario, we consider the potential restaurant owners coming out of the Caribbean.</a:t>
+            </a:r>
+            <a:endParaRPr lang="en-US" sz="2000" dirty="0"/>
+          </a:p>
+        </p:txBody>
+      </p:sp>
+    </p:spTree>
+    <p:extLst>
+      <p:ext uri="{BB962C8B-B14F-4D97-AF65-F5344CB8AC3E}">
+        <p14:creationId xmlns:p14="http://schemas.microsoft.com/office/powerpoint/2010/main" val="3514120882"/>
+      </p:ext>
+    </p:extLst>
+  </p:cSld>
+  <p:clrMapOvr>
+    <a:masterClrMapping/>
+  </p:clrMapOvr>
+</p:sld>
+</file>
+
+<file path=ppt/slides/slide3.xml><?xml version="1.0" encoding="utf-8"?>
+<p:sld xmlns:a="http://schemas.openxmlformats.org/drawingml/2006/main" xmlns:r="http://schemas.openxmlformats.org/officeDocument/2006/relationships" xmlns:p="http://schemas.openxmlformats.org/presentationml/2006/main">
+  <p:cSld>
+    <p:spTree>
+      <p:nvGrpSpPr>
+        <p:cNvPr id="1" name=""/>
+        <p:cNvGrpSpPr/>
+        <p:nvPr/>
+      </p:nvGrpSpPr>
+      <p:grpSpPr>
+        <a:xfrm>
+          <a:off x="0" y="0"/>
+          <a:ext cx="0" cy="0"/>
+          <a:chOff x="0" y="0"/>
+          <a:chExt cx="0" cy="0"/>
+        </a:xfrm>
+      </p:grpSpPr>
+      <p:sp>
+        <p:nvSpPr>
+          <p:cNvPr id="2" name="Title 1"/>
+          <p:cNvSpPr>
+            <a:spLocks noGrp="1"/>
+          </p:cNvSpPr>
+          <p:nvPr>
+            <p:ph type="title"/>
+          </p:nvPr>
+        </p:nvSpPr>
+        <p:spPr/>
+        <p:txBody>
+          <a:bodyPr/>
+          <a:lstStyle/>
+          <a:p>
+            <a:r>
+              <a:rPr lang="en-029" dirty="0" smtClean="0"/>
+              <a:t>Background information</a:t>
             </a:r>
             <a:endParaRPr lang="en-US" dirty="0"/>
           </a:p>
@@ -3944,7 +4033,7 @@
         </p:blipFill>
         <p:spPr>
           <a:xfrm>
-            <a:off x="6796678" y="2288317"/>
+            <a:off x="6912008" y="2117124"/>
             <a:ext cx="4348655" cy="3678238"/>
           </a:xfrm>
         </p:spPr>
@@ -3958,7 +4047,7 @@
         <p:spPr>
           <a:xfrm>
             <a:off x="453081" y="2117124"/>
-            <a:ext cx="6236043" cy="1754326"/>
+            <a:ext cx="6236043" cy="2739211"/>
           </a:xfrm>
           <a:prstGeom prst="rect">
             <a:avLst/>
@@ -3976,8 +4065,8 @@
               <a:buChar char="•"/>
             </a:pPr>
             <a:r>
-              <a:rPr lang="en-029" dirty="0" smtClean="0"/>
-              <a:t>.</a:t>
+              <a:rPr lang="en-029" sz="2000" dirty="0" smtClean="0"/>
+              <a:t>Toronto has 5 boroughs which have a combined tally of 103 neighbourhoods.</a:t>
             </a:r>
           </a:p>
           <a:p>
@@ -3986,8 +4075,8 @@
               <a:buChar char="•"/>
             </a:pPr>
             <a:r>
-              <a:rPr lang="en-029" dirty="0" smtClean="0"/>
-              <a:t>.</a:t>
+              <a:rPr lang="en-029" sz="2000" dirty="0" smtClean="0"/>
+              <a:t>In 2019, the province of Ontario (of which Toronto is the capital) saw an increase of 139,071 legal immigrants out of a total of ~313,000[1]. </a:t>
             </a:r>
           </a:p>
           <a:p>
@@ -3997,7 +4086,7 @@
             </a:pPr>
             <a:r>
               <a:rPr lang="en-029" dirty="0" smtClean="0"/>
-              <a:t>.</a:t>
+              <a:t>Migrants from the Americas account for roughly 15% of the 313k immigrants.</a:t>
             </a:r>
           </a:p>
           <a:p>
@@ -4007,17 +4096,94 @@
             </a:pPr>
             <a:r>
               <a:rPr lang="en-029" dirty="0" smtClean="0"/>
-              <a:t>.</a:t>
-            </a:r>
-          </a:p>
+              <a:t>Canada has become a vast multicultural society with over 250 ethnic groups reported in 2016.</a:t>
+            </a:r>
+            <a:endParaRPr lang="en-US" dirty="0"/>
+          </a:p>
+        </p:txBody>
+      </p:sp>
+    </p:spTree>
+    <p:extLst>
+      <p:ext uri="{BB962C8B-B14F-4D97-AF65-F5344CB8AC3E}">
+        <p14:creationId xmlns:p14="http://schemas.microsoft.com/office/powerpoint/2010/main" val="3041676978"/>
+      </p:ext>
+    </p:extLst>
+  </p:cSld>
+  <p:clrMapOvr>
+    <a:masterClrMapping/>
+  </p:clrMapOvr>
+</p:sld>
+</file>
+
+<file path=ppt/slides/slide4.xml><?xml version="1.0" encoding="utf-8"?>
+<p:sld xmlns:a="http://schemas.openxmlformats.org/drawingml/2006/main" xmlns:r="http://schemas.openxmlformats.org/officeDocument/2006/relationships" xmlns:p="http://schemas.openxmlformats.org/presentationml/2006/main">
+  <p:cSld>
+    <p:spTree>
+      <p:nvGrpSpPr>
+        <p:cNvPr id="1" name=""/>
+        <p:cNvGrpSpPr/>
+        <p:nvPr/>
+      </p:nvGrpSpPr>
+      <p:grpSpPr>
+        <a:xfrm>
+          <a:off x="0" y="0"/>
+          <a:ext cx="0" cy="0"/>
+          <a:chOff x="0" y="0"/>
+          <a:chExt cx="0" cy="0"/>
+        </a:xfrm>
+      </p:grpSpPr>
+      <p:sp>
+        <p:nvSpPr>
+          <p:cNvPr id="2" name="Title 1"/>
+          <p:cNvSpPr>
+            <a:spLocks noGrp="1"/>
+          </p:cNvSpPr>
+          <p:nvPr>
+            <p:ph type="title"/>
+          </p:nvPr>
+        </p:nvSpPr>
+        <p:spPr/>
+        <p:txBody>
+          <a:bodyPr/>
+          <a:lstStyle/>
+          <a:p>
+            <a:r>
+              <a:rPr lang="en-029" dirty="0" smtClean="0"/>
+              <a:t>Data Acquisition</a:t>
+            </a:r>
+            <a:endParaRPr lang="en-US" dirty="0"/>
+          </a:p>
+        </p:txBody>
+      </p:sp>
+      <p:sp>
+        <p:nvSpPr>
+          <p:cNvPr id="5" name="TextBox 4"/>
+          <p:cNvSpPr txBox="1"/>
+          <p:nvPr/>
+        </p:nvSpPr>
+        <p:spPr>
+          <a:xfrm>
+            <a:off x="453081" y="2117124"/>
+            <a:ext cx="6236043" cy="2523768"/>
+          </a:xfrm>
+          <a:prstGeom prst="rect">
+            <a:avLst/>
+          </a:prstGeom>
+          <a:noFill/>
+        </p:spPr>
+        <p:txBody>
+          <a:bodyPr wrap="square" rtlCol="0">
+            <a:spAutoFit/>
+          </a:bodyPr>
+          <a:lstStyle/>
           <a:p>
             <a:pPr marL="285750" indent="-285750">
               <a:buFont typeface="Arial" panose="020B0604020202020204" pitchFamily="34" charset="0"/>
               <a:buChar char="•"/>
             </a:pPr>
             <a:r>
-              <a:rPr lang="en-029" smtClean="0"/>
-              <a:t>.</a:t>
+              <a:rPr lang="en-029" sz="2000" dirty="0" smtClean="0"/>
+              <a:t>Toronto Borough information was scrapped from the Wikipedia webpage.</a:t>
             </a:r>
           </a:p>
           <a:p>
@@ -4025,14 +4191,719 @@
               <a:buFont typeface="Arial" panose="020B0604020202020204" pitchFamily="34" charset="0"/>
               <a:buChar char="•"/>
             </a:pPr>
-            <a:endParaRPr lang="en-US" dirty="0"/>
-          </a:p>
-        </p:txBody>
-      </p:sp>
+            <a:r>
+              <a:rPr lang="en-029" sz="2000" dirty="0" smtClean="0"/>
+              <a:t>The data was cleaned up and filtered to show geographical information.</a:t>
+            </a:r>
+          </a:p>
+          <a:p>
+            <a:pPr marL="285750" indent="-285750">
+              <a:buFont typeface="Arial" panose="020B0604020202020204" pitchFamily="34" charset="0"/>
+              <a:buChar char="•"/>
+            </a:pPr>
+            <a:r>
+              <a:rPr lang="en-029" sz="2000" dirty="0" smtClean="0"/>
+              <a:t>Foursquare API pulled venue information for the neighbourhoods.</a:t>
+            </a:r>
+          </a:p>
+          <a:p>
+            <a:endParaRPr lang="en-029" sz="2000" dirty="0" smtClean="0"/>
+          </a:p>
+          <a:p>
+            <a:pPr marL="285750" indent="-285750">
+              <a:buFont typeface="Arial" panose="020B0604020202020204" pitchFamily="34" charset="0"/>
+              <a:buChar char="•"/>
+            </a:pPr>
+            <a:endParaRPr lang="en-US" dirty="0"/>
+          </a:p>
+        </p:txBody>
+      </p:sp>
+      <p:pic>
+        <p:nvPicPr>
+          <p:cNvPr id="6" name="Content Placeholder 5"/>
+          <p:cNvPicPr>
+            <a:picLocks noGrp="1" noChangeAspect="1"/>
+          </p:cNvPicPr>
+          <p:nvPr>
+            <p:ph idx="1"/>
+          </p:nvPr>
+        </p:nvPicPr>
+        <p:blipFill>
+          <a:blip r:embed="rId2">
+            <a:extLst>
+              <a:ext uri="{28A0092B-C50C-407E-A947-70E740481C1C}">
+                <a14:useLocalDpi xmlns:a14="http://schemas.microsoft.com/office/drawing/2010/main" val="0"/>
+              </a:ext>
+            </a:extLst>
+          </a:blip>
+          <a:stretch>
+            <a:fillRect/>
+          </a:stretch>
+        </p:blipFill>
+        <p:spPr>
+          <a:xfrm>
+            <a:off x="6855192" y="1981601"/>
+            <a:ext cx="4653609" cy="2720846"/>
+          </a:xfrm>
+        </p:spPr>
+      </p:pic>
+      <p:sp>
+        <p:nvSpPr>
+          <p:cNvPr id="7" name="TextBox 6"/>
+          <p:cNvSpPr txBox="1"/>
+          <p:nvPr/>
+        </p:nvSpPr>
+        <p:spPr>
+          <a:xfrm>
+            <a:off x="6878595" y="4893276"/>
+            <a:ext cx="4539048" cy="378940"/>
+          </a:xfrm>
+          <a:prstGeom prst="rect">
+            <a:avLst/>
+          </a:prstGeom>
+          <a:noFill/>
+        </p:spPr>
+        <p:txBody>
+          <a:bodyPr wrap="square" rtlCol="0">
+            <a:spAutoFit/>
+          </a:bodyPr>
+          <a:lstStyle/>
+          <a:p>
+            <a:r>
+              <a:rPr lang="en-029" dirty="0" smtClean="0"/>
+              <a:t>Map of Toronto’s Boroughs &amp; Neighbourhoods</a:t>
+            </a:r>
+            <a:endParaRPr lang="en-US" dirty="0"/>
+          </a:p>
+        </p:txBody>
+      </p:sp>
+      <p:pic>
+        <p:nvPicPr>
+          <p:cNvPr id="8" name="Picture 7"/>
+          <p:cNvPicPr>
+            <a:picLocks noChangeAspect="1"/>
+          </p:cNvPicPr>
+          <p:nvPr/>
+        </p:nvPicPr>
+        <p:blipFill>
+          <a:blip r:embed="rId3"/>
+          <a:stretch>
+            <a:fillRect/>
+          </a:stretch>
+        </p:blipFill>
+        <p:spPr>
+          <a:xfrm>
+            <a:off x="848381" y="4426507"/>
+            <a:ext cx="5247619" cy="2228571"/>
+          </a:xfrm>
+          <a:prstGeom prst="rect">
+            <a:avLst/>
+          </a:prstGeom>
+        </p:spPr>
+      </p:pic>
     </p:spTree>
     <p:extLst>
       <p:ext uri="{BB962C8B-B14F-4D97-AF65-F5344CB8AC3E}">
-        <p14:creationId xmlns:p14="http://schemas.microsoft.com/office/powerpoint/2010/main" val="3041676978"/>
+        <p14:creationId xmlns:p14="http://schemas.microsoft.com/office/powerpoint/2010/main" val="2575297604"/>
+      </p:ext>
+    </p:extLst>
+  </p:cSld>
+  <p:clrMapOvr>
+    <a:masterClrMapping/>
+  </p:clrMapOvr>
+</p:sld>
+</file>
+
+<file path=ppt/slides/slide5.xml><?xml version="1.0" encoding="utf-8"?>
+<p:sld xmlns:a="http://schemas.openxmlformats.org/drawingml/2006/main" xmlns:r="http://schemas.openxmlformats.org/officeDocument/2006/relationships" xmlns:p="http://schemas.openxmlformats.org/presentationml/2006/main">
+  <p:cSld>
+    <p:spTree>
+      <p:nvGrpSpPr>
+        <p:cNvPr id="1" name=""/>
+        <p:cNvGrpSpPr/>
+        <p:nvPr/>
+      </p:nvGrpSpPr>
+      <p:grpSpPr>
+        <a:xfrm>
+          <a:off x="0" y="0"/>
+          <a:ext cx="0" cy="0"/>
+          <a:chOff x="0" y="0"/>
+          <a:chExt cx="0" cy="0"/>
+        </a:xfrm>
+      </p:grpSpPr>
+      <p:sp>
+        <p:nvSpPr>
+          <p:cNvPr id="2" name="Title 1"/>
+          <p:cNvSpPr>
+            <a:spLocks noGrp="1"/>
+          </p:cNvSpPr>
+          <p:nvPr>
+            <p:ph type="title"/>
+          </p:nvPr>
+        </p:nvSpPr>
+        <p:spPr/>
+        <p:txBody>
+          <a:bodyPr/>
+          <a:lstStyle/>
+          <a:p>
+            <a:r>
+              <a:rPr lang="en-029" dirty="0" smtClean="0"/>
+              <a:t>Data breakdown</a:t>
+            </a:r>
+            <a:endParaRPr lang="en-US" dirty="0"/>
+          </a:p>
+        </p:txBody>
+      </p:sp>
+      <p:pic>
+        <p:nvPicPr>
+          <p:cNvPr id="4" name="Content Placeholder 3"/>
+          <p:cNvPicPr>
+            <a:picLocks noGrp="1" noChangeAspect="1"/>
+          </p:cNvPicPr>
+          <p:nvPr>
+            <p:ph idx="1"/>
+          </p:nvPr>
+        </p:nvPicPr>
+        <p:blipFill>
+          <a:blip r:embed="rId2">
+            <a:extLst>
+              <a:ext uri="{28A0092B-C50C-407E-A947-70E740481C1C}">
+                <a14:useLocalDpi xmlns:a14="http://schemas.microsoft.com/office/drawing/2010/main" val="0"/>
+              </a:ext>
+            </a:extLst>
+          </a:blip>
+          <a:stretch>
+            <a:fillRect/>
+          </a:stretch>
+        </p:blipFill>
+        <p:spPr>
+          <a:xfrm>
+            <a:off x="6153665" y="2659168"/>
+            <a:ext cx="5591175" cy="3381375"/>
+          </a:xfrm>
+        </p:spPr>
+      </p:pic>
+      <p:pic>
+        <p:nvPicPr>
+          <p:cNvPr id="5" name="Picture 4"/>
+          <p:cNvPicPr>
+            <a:picLocks noChangeAspect="1"/>
+          </p:cNvPicPr>
+          <p:nvPr/>
+        </p:nvPicPr>
+        <p:blipFill rotWithShape="1">
+          <a:blip r:embed="rId3">
+            <a:extLst>
+              <a:ext uri="{28A0092B-C50C-407E-A947-70E740481C1C}">
+                <a14:useLocalDpi xmlns:a14="http://schemas.microsoft.com/office/drawing/2010/main" val="0"/>
+              </a:ext>
+            </a:extLst>
+          </a:blip>
+          <a:srcRect t="65052"/>
+          <a:stretch/>
+        </p:blipFill>
+        <p:spPr>
+          <a:xfrm>
+            <a:off x="581192" y="3491318"/>
+            <a:ext cx="5524500" cy="2310199"/>
+          </a:xfrm>
+          <a:prstGeom prst="rect">
+            <a:avLst/>
+          </a:prstGeom>
+        </p:spPr>
+      </p:pic>
+      <p:sp>
+        <p:nvSpPr>
+          <p:cNvPr id="6" name="TextBox 5"/>
+          <p:cNvSpPr txBox="1"/>
+          <p:nvPr/>
+        </p:nvSpPr>
+        <p:spPr>
+          <a:xfrm>
+            <a:off x="1243914" y="2019371"/>
+            <a:ext cx="4777946" cy="369332"/>
+          </a:xfrm>
+          <a:prstGeom prst="rect">
+            <a:avLst/>
+          </a:prstGeom>
+          <a:noFill/>
+        </p:spPr>
+        <p:txBody>
+          <a:bodyPr wrap="square" rtlCol="0">
+            <a:spAutoFit/>
+          </a:bodyPr>
+          <a:lstStyle/>
+          <a:p>
+            <a:r>
+              <a:rPr lang="en-029" dirty="0" smtClean="0"/>
+              <a:t>Venue Count per Neighbourhood</a:t>
+            </a:r>
+            <a:endParaRPr lang="en-US" dirty="0"/>
+          </a:p>
+        </p:txBody>
+      </p:sp>
+      <p:sp>
+        <p:nvSpPr>
+          <p:cNvPr id="7" name="TextBox 6"/>
+          <p:cNvSpPr txBox="1"/>
+          <p:nvPr/>
+        </p:nvSpPr>
+        <p:spPr>
+          <a:xfrm>
+            <a:off x="7628238" y="2010032"/>
+            <a:ext cx="4563762" cy="369332"/>
+          </a:xfrm>
+          <a:prstGeom prst="rect">
+            <a:avLst/>
+          </a:prstGeom>
+          <a:noFill/>
+        </p:spPr>
+        <p:txBody>
+          <a:bodyPr wrap="square" rtlCol="0">
+            <a:spAutoFit/>
+          </a:bodyPr>
+          <a:lstStyle/>
+          <a:p>
+            <a:r>
+              <a:rPr lang="en-029" dirty="0" smtClean="0"/>
+              <a:t>Venues in Neighbourhoods</a:t>
+            </a:r>
+            <a:endParaRPr lang="en-US" dirty="0"/>
+          </a:p>
+        </p:txBody>
+      </p:sp>
+      <p:cxnSp>
+        <p:nvCxnSpPr>
+          <p:cNvPr id="9" name="Straight Connector 8"/>
+          <p:cNvCxnSpPr/>
+          <p:nvPr/>
+        </p:nvCxnSpPr>
+        <p:spPr>
+          <a:xfrm flipH="1">
+            <a:off x="5947719" y="2100649"/>
+            <a:ext cx="8238" cy="4291913"/>
+          </a:xfrm>
+          <a:prstGeom prst="line">
+            <a:avLst/>
+          </a:prstGeom>
+        </p:spPr>
+        <p:style>
+          <a:lnRef idx="1">
+            <a:schemeClr val="accent1"/>
+          </a:lnRef>
+          <a:fillRef idx="0">
+            <a:schemeClr val="accent1"/>
+          </a:fillRef>
+          <a:effectRef idx="0">
+            <a:schemeClr val="accent1"/>
+          </a:effectRef>
+          <a:fontRef idx="minor">
+            <a:schemeClr val="tx1"/>
+          </a:fontRef>
+        </p:style>
+      </p:cxnSp>
+    </p:spTree>
+    <p:extLst>
+      <p:ext uri="{BB962C8B-B14F-4D97-AF65-F5344CB8AC3E}">
+        <p14:creationId xmlns:p14="http://schemas.microsoft.com/office/powerpoint/2010/main" val="1491839867"/>
+      </p:ext>
+    </p:extLst>
+  </p:cSld>
+  <p:clrMapOvr>
+    <a:masterClrMapping/>
+  </p:clrMapOvr>
+</p:sld>
+</file>
+
+<file path=ppt/slides/slide6.xml><?xml version="1.0" encoding="utf-8"?>
+<p:sld xmlns:a="http://schemas.openxmlformats.org/drawingml/2006/main" xmlns:r="http://schemas.openxmlformats.org/officeDocument/2006/relationships" xmlns:p="http://schemas.openxmlformats.org/presentationml/2006/main">
+  <p:cSld>
+    <p:spTree>
+      <p:nvGrpSpPr>
+        <p:cNvPr id="1" name=""/>
+        <p:cNvGrpSpPr/>
+        <p:nvPr/>
+      </p:nvGrpSpPr>
+      <p:grpSpPr>
+        <a:xfrm>
+          <a:off x="0" y="0"/>
+          <a:ext cx="0" cy="0"/>
+          <a:chOff x="0" y="0"/>
+          <a:chExt cx="0" cy="0"/>
+        </a:xfrm>
+      </p:grpSpPr>
+      <p:sp>
+        <p:nvSpPr>
+          <p:cNvPr id="2" name="Title 1"/>
+          <p:cNvSpPr>
+            <a:spLocks noGrp="1"/>
+          </p:cNvSpPr>
+          <p:nvPr>
+            <p:ph type="title"/>
+          </p:nvPr>
+        </p:nvSpPr>
+        <p:spPr/>
+        <p:txBody>
+          <a:bodyPr/>
+          <a:lstStyle/>
+          <a:p>
+            <a:r>
+              <a:rPr lang="en-029" dirty="0" smtClean="0"/>
+              <a:t>discussion</a:t>
+            </a:r>
+            <a:endParaRPr lang="en-US" dirty="0"/>
+          </a:p>
+        </p:txBody>
+      </p:sp>
+      <p:sp>
+        <p:nvSpPr>
+          <p:cNvPr id="4" name="Text Placeholder 3"/>
+          <p:cNvSpPr>
+            <a:spLocks noGrp="1"/>
+          </p:cNvSpPr>
+          <p:nvPr>
+            <p:ph type="body" idx="1"/>
+          </p:nvPr>
+        </p:nvSpPr>
+        <p:spPr/>
+        <p:txBody>
+          <a:bodyPr/>
+          <a:lstStyle/>
+          <a:p>
+            <a:r>
+              <a:rPr lang="en-029" dirty="0" smtClean="0"/>
+              <a:t>Observations</a:t>
+            </a:r>
+            <a:endParaRPr lang="en-US" dirty="0"/>
+          </a:p>
+        </p:txBody>
+      </p:sp>
+      <p:sp>
+        <p:nvSpPr>
+          <p:cNvPr id="5" name="Content Placeholder 4"/>
+          <p:cNvSpPr>
+            <a:spLocks noGrp="1"/>
+          </p:cNvSpPr>
+          <p:nvPr>
+            <p:ph sz="half" idx="2"/>
+          </p:nvPr>
+        </p:nvSpPr>
+        <p:spPr/>
+        <p:txBody>
+          <a:bodyPr/>
+          <a:lstStyle/>
+          <a:p>
+            <a:r>
+              <a:rPr lang="en-029" dirty="0" smtClean="0"/>
+              <a:t>Asian themed restaurants are more common throughout the Boroughs.</a:t>
+            </a:r>
+          </a:p>
+          <a:p>
+            <a:r>
+              <a:rPr lang="en-029" dirty="0" smtClean="0"/>
+              <a:t>Fast Food restaurants and take-</a:t>
+            </a:r>
+            <a:r>
+              <a:rPr lang="en-029" dirty="0" err="1" smtClean="0"/>
+              <a:t>aways</a:t>
+            </a:r>
+            <a:r>
+              <a:rPr lang="en-029" dirty="0" smtClean="0"/>
+              <a:t> are also very common</a:t>
+            </a:r>
+          </a:p>
+          <a:p>
+            <a:r>
+              <a:rPr lang="en-029" dirty="0" smtClean="0"/>
+              <a:t>Cultural food centres such as Chinatown and Lil Jamaica (only Caribbean presence) are present and gives context for the expected demographic to that area.</a:t>
+            </a:r>
+            <a:endParaRPr lang="en-US" dirty="0"/>
+          </a:p>
+        </p:txBody>
+      </p:sp>
+      <p:sp>
+        <p:nvSpPr>
+          <p:cNvPr id="6" name="Text Placeholder 5"/>
+          <p:cNvSpPr>
+            <a:spLocks noGrp="1"/>
+          </p:cNvSpPr>
+          <p:nvPr>
+            <p:ph type="body" sz="quarter" idx="3"/>
+          </p:nvPr>
+        </p:nvSpPr>
+        <p:spPr/>
+        <p:txBody>
+          <a:bodyPr/>
+          <a:lstStyle/>
+          <a:p>
+            <a:r>
+              <a:rPr lang="en-029" dirty="0" smtClean="0"/>
+              <a:t>Recommendations</a:t>
+            </a:r>
+            <a:endParaRPr lang="en-US" dirty="0"/>
+          </a:p>
+        </p:txBody>
+      </p:sp>
+      <p:sp>
+        <p:nvSpPr>
+          <p:cNvPr id="7" name="Content Placeholder 6"/>
+          <p:cNvSpPr>
+            <a:spLocks noGrp="1"/>
+          </p:cNvSpPr>
+          <p:nvPr>
+            <p:ph sz="quarter" idx="4"/>
+          </p:nvPr>
+        </p:nvSpPr>
+        <p:spPr/>
+        <p:txBody>
+          <a:bodyPr/>
+          <a:lstStyle/>
+          <a:p>
+            <a:r>
+              <a:rPr lang="en-029" dirty="0" smtClean="0"/>
+              <a:t>Any neighbourhood is a good candidate for a Caribbean themed restaurant. </a:t>
+            </a:r>
+          </a:p>
+          <a:p>
+            <a:endParaRPr lang="en-US" dirty="0"/>
+          </a:p>
+        </p:txBody>
+      </p:sp>
+      <p:pic>
+        <p:nvPicPr>
+          <p:cNvPr id="8" name="Picture 7"/>
+          <p:cNvPicPr>
+            <a:picLocks noChangeAspect="1"/>
+          </p:cNvPicPr>
+          <p:nvPr/>
+        </p:nvPicPr>
+        <p:blipFill>
+          <a:blip r:embed="rId2">
+            <a:extLst>
+              <a:ext uri="{28A0092B-C50C-407E-A947-70E740481C1C}">
+                <a14:useLocalDpi xmlns:a14="http://schemas.microsoft.com/office/drawing/2010/main" val="0"/>
+              </a:ext>
+            </a:extLst>
+          </a:blip>
+          <a:stretch>
+            <a:fillRect/>
+          </a:stretch>
+        </p:blipFill>
+        <p:spPr>
+          <a:xfrm>
+            <a:off x="6969212" y="3731725"/>
+            <a:ext cx="4152306" cy="2811616"/>
+          </a:xfrm>
+          <a:prstGeom prst="rect">
+            <a:avLst/>
+          </a:prstGeom>
+        </p:spPr>
+      </p:pic>
+    </p:spTree>
+    <p:extLst>
+      <p:ext uri="{BB962C8B-B14F-4D97-AF65-F5344CB8AC3E}">
+        <p14:creationId xmlns:p14="http://schemas.microsoft.com/office/powerpoint/2010/main" val="2624729452"/>
+      </p:ext>
+    </p:extLst>
+  </p:cSld>
+  <p:clrMapOvr>
+    <a:masterClrMapping/>
+  </p:clrMapOvr>
+</p:sld>
+</file>
+
+<file path=ppt/slides/slide7.xml><?xml version="1.0" encoding="utf-8"?>
+<p:sld xmlns:a="http://schemas.openxmlformats.org/drawingml/2006/main" xmlns:r="http://schemas.openxmlformats.org/officeDocument/2006/relationships" xmlns:p="http://schemas.openxmlformats.org/presentationml/2006/main">
+  <p:cSld>
+    <p:spTree>
+      <p:nvGrpSpPr>
+        <p:cNvPr id="1" name=""/>
+        <p:cNvGrpSpPr/>
+        <p:nvPr/>
+      </p:nvGrpSpPr>
+      <p:grpSpPr>
+        <a:xfrm>
+          <a:off x="0" y="0"/>
+          <a:ext cx="0" cy="0"/>
+          <a:chOff x="0" y="0"/>
+          <a:chExt cx="0" cy="0"/>
+        </a:xfrm>
+      </p:grpSpPr>
+      <p:sp>
+        <p:nvSpPr>
+          <p:cNvPr id="2" name="Title 1"/>
+          <p:cNvSpPr>
+            <a:spLocks noGrp="1"/>
+          </p:cNvSpPr>
+          <p:nvPr>
+            <p:ph type="title"/>
+          </p:nvPr>
+        </p:nvSpPr>
+        <p:spPr/>
+        <p:txBody>
+          <a:bodyPr/>
+          <a:lstStyle/>
+          <a:p>
+            <a:r>
+              <a:rPr lang="en-029" dirty="0" smtClean="0"/>
+              <a:t>conclusion</a:t>
+            </a:r>
+            <a:endParaRPr lang="en-US" dirty="0"/>
+          </a:p>
+        </p:txBody>
+      </p:sp>
+      <p:sp>
+        <p:nvSpPr>
+          <p:cNvPr id="3" name="Content Placeholder 2"/>
+          <p:cNvSpPr>
+            <a:spLocks noGrp="1"/>
+          </p:cNvSpPr>
+          <p:nvPr>
+            <p:ph idx="1"/>
+          </p:nvPr>
+        </p:nvSpPr>
+        <p:spPr/>
+        <p:txBody>
+          <a:bodyPr/>
+          <a:lstStyle/>
+          <a:p>
+            <a:pPr marL="0" indent="0">
+              <a:buNone/>
+            </a:pPr>
+            <a:r>
+              <a:rPr lang="en-US" sz="2400" dirty="0"/>
+              <a:t>Fair to say that there are ample opportunities for immigrants to find ideal locations for food-based businesses in most if not all areas of Toronto. This model can be utilized </a:t>
+            </a:r>
+            <a:r>
+              <a:rPr lang="en-US" sz="2400" dirty="0" smtClean="0"/>
+              <a:t>to explore the market presence of any </a:t>
+            </a:r>
+            <a:r>
+              <a:rPr lang="en-US" sz="2400" dirty="0"/>
+              <a:t>other business type.</a:t>
+            </a:r>
+          </a:p>
+          <a:p>
+            <a:endParaRPr lang="en-US" dirty="0"/>
+          </a:p>
+        </p:txBody>
+      </p:sp>
+    </p:spTree>
+    <p:extLst>
+      <p:ext uri="{BB962C8B-B14F-4D97-AF65-F5344CB8AC3E}">
+        <p14:creationId xmlns:p14="http://schemas.microsoft.com/office/powerpoint/2010/main" val="3778228416"/>
+      </p:ext>
+    </p:extLst>
+  </p:cSld>
+  <p:clrMapOvr>
+    <a:masterClrMapping/>
+  </p:clrMapOvr>
+</p:sld>
+</file>
+
+<file path=ppt/slides/slide8.xml><?xml version="1.0" encoding="utf-8"?>
+<p:sld xmlns:a="http://schemas.openxmlformats.org/drawingml/2006/main" xmlns:r="http://schemas.openxmlformats.org/officeDocument/2006/relationships" xmlns:p="http://schemas.openxmlformats.org/presentationml/2006/main">
+  <p:cSld>
+    <p:spTree>
+      <p:nvGrpSpPr>
+        <p:cNvPr id="1" name=""/>
+        <p:cNvGrpSpPr/>
+        <p:nvPr/>
+      </p:nvGrpSpPr>
+      <p:grpSpPr>
+        <a:xfrm>
+          <a:off x="0" y="0"/>
+          <a:ext cx="0" cy="0"/>
+          <a:chOff x="0" y="0"/>
+          <a:chExt cx="0" cy="0"/>
+        </a:xfrm>
+      </p:grpSpPr>
+      <p:sp>
+        <p:nvSpPr>
+          <p:cNvPr id="2" name="Title 1"/>
+          <p:cNvSpPr>
+            <a:spLocks noGrp="1"/>
+          </p:cNvSpPr>
+          <p:nvPr>
+            <p:ph type="title"/>
+          </p:nvPr>
+        </p:nvSpPr>
+        <p:spPr/>
+        <p:txBody>
+          <a:bodyPr/>
+          <a:lstStyle/>
+          <a:p>
+            <a:r>
+              <a:rPr lang="en-029" dirty="0" smtClean="0"/>
+              <a:t>references</a:t>
+            </a:r>
+            <a:endParaRPr lang="en-US" dirty="0"/>
+          </a:p>
+        </p:txBody>
+      </p:sp>
+      <p:sp>
+        <p:nvSpPr>
+          <p:cNvPr id="3" name="TextBox 2"/>
+          <p:cNvSpPr txBox="1"/>
+          <p:nvPr/>
+        </p:nvSpPr>
+        <p:spPr>
+          <a:xfrm>
+            <a:off x="431307" y="2059460"/>
+            <a:ext cx="11318789" cy="1200329"/>
+          </a:xfrm>
+          <a:prstGeom prst="rect">
+            <a:avLst/>
+          </a:prstGeom>
+          <a:noFill/>
+        </p:spPr>
+        <p:txBody>
+          <a:bodyPr wrap="square" rtlCol="0">
+            <a:spAutoFit/>
+          </a:bodyPr>
+          <a:lstStyle/>
+          <a:p>
+            <a:pPr marL="342900" indent="-342900">
+              <a:buFont typeface="+mj-lt"/>
+              <a:buAutoNum type="arabicPeriod"/>
+            </a:pPr>
+            <a:r>
+              <a:rPr lang="en-US" dirty="0" smtClean="0"/>
+              <a:t>“Number of immigrants in Canada from 2000 to 2019 (in 1,000s).” Statista. </a:t>
+            </a:r>
+            <a:r>
+              <a:rPr lang="en-US" dirty="0"/>
+              <a:t>Web. https://www.statista.com/statistics/443063/number-of-immigrants-in-canada/ </a:t>
+            </a:r>
+            <a:endParaRPr lang="en-US" dirty="0" smtClean="0"/>
+          </a:p>
+          <a:p>
+            <a:pPr marL="342900" indent="-342900">
+              <a:buFont typeface="+mj-lt"/>
+              <a:buAutoNum type="arabicPeriod"/>
+            </a:pPr>
+            <a:r>
+              <a:rPr lang="en-029" dirty="0" smtClean="0"/>
+              <a:t>Foursquare API</a:t>
+            </a:r>
+          </a:p>
+          <a:p>
+            <a:pPr marL="342900" indent="-342900">
+              <a:buFont typeface="+mj-lt"/>
+              <a:buAutoNum type="arabicPeriod"/>
+            </a:pPr>
+            <a:r>
+              <a:rPr lang="en-029" dirty="0" smtClean="0"/>
+              <a:t>Wikipedia – Toronto Postal Codes</a:t>
+            </a:r>
+            <a:endParaRPr lang="en-US" dirty="0"/>
+          </a:p>
+        </p:txBody>
+      </p:sp>
+    </p:spTree>
+    <p:extLst>
+      <p:ext uri="{BB962C8B-B14F-4D97-AF65-F5344CB8AC3E}">
+        <p14:creationId xmlns:p14="http://schemas.microsoft.com/office/powerpoint/2010/main" val="2184430018"/>
       </p:ext>
     </p:extLst>
   </p:cSld>
